--- a/Lesson3/lesson3_matplotlib.pptx
+++ b/Lesson3/lesson3_matplotlib.pptx
@@ -218,7 +218,7 @@
           <a:p>
             <a:fld id="{EAFA132F-730A-7F4B-A8EA-A6DF73F21D06}" type="datetimeFigureOut">
               <a:rPr lang="de-DE" smtClean="0"/>
-              <a:t>10.12.23</a:t>
+              <a:t>02.07.24</a:t>
             </a:fld>
             <a:endParaRPr lang="de-DE"/>
           </a:p>
@@ -2438,7 +2438,7 @@
             </a:pPr>
             <a:fld id="{1D8BD707-D9CF-40AE-B4C6-C98DA3205C09}" type="datetimeFigureOut">
               <a:rPr lang="en-US"/>
-              <a:t>12/10/23</a:t>
+              <a:t>7/2/24</a:t>
             </a:fld>
             <a:endParaRPr lang="en-US"/>
           </a:p>
@@ -2614,7 +2614,7 @@
             </a:pPr>
             <a:fld id="{F9A2CB3F-9E6C-4531-82DF-EF260906E9D5}" type="datetimeFigureOut">
               <a:rPr lang="ru-RU"/>
-              <a:t>10.12.2023</a:t>
+              <a:t>02.07.2024</a:t>
             </a:fld>
             <a:endParaRPr lang="ru-RU"/>
           </a:p>
@@ -3238,48 +3238,6 @@
               <a:latin typeface="SB Sans Display Semibold"/>
               <a:ea typeface="+mj-ea"/>
               <a:cs typeface="SB Sans Display Semibold"/>
-            </a:endParaRPr>
-          </a:p>
-          <a:p>
-            <a:pPr marL="0" marR="0" lvl="0" indent="0" algn="l" defTabSz="914400">
-              <a:lnSpc>
-                <a:spcPct val="100000"/>
-              </a:lnSpc>
-              <a:spcBef>
-                <a:spcPts val="0"/>
-              </a:spcBef>
-              <a:spcAft>
-                <a:spcPts val="0"/>
-              </a:spcAft>
-              <a:buClrTx/>
-              <a:buSzTx/>
-              <a:buFontTx/>
-              <a:buNone/>
-              <a:defRPr/>
-            </a:pPr>
-            <a:r>
-              <a:rPr lang="ru-RU" sz="5400" b="1" dirty="0">
-                <a:solidFill>
-                  <a:srgbClr val="333F48"/>
-                </a:solidFill>
-                <a:latin typeface="SB Sans Display Semibold"/>
-              </a:rPr>
-              <a:t>Школа новых профессий </a:t>
-            </a:r>
-            <a:r>
-              <a:rPr lang="ru-RU" sz="2400" dirty="0">
-                <a:solidFill>
-                  <a:srgbClr val="333F48"/>
-                </a:solidFill>
-                <a:latin typeface="SB Sans Display Semibold"/>
-              </a:rPr>
-              <a:t>Преподаватель: Алексей Левченко</a:t>
-            </a:r>
-            <a:endParaRPr lang="en-US" sz="5400" dirty="0">
-              <a:solidFill>
-                <a:srgbClr val="333F48"/>
-              </a:solidFill>
-              <a:latin typeface="SB Sans Display Semibold"/>
             </a:endParaRPr>
           </a:p>
           <a:p>
